--- a/djpython/파이썬 기초.pptx
+++ b/djpython/파이썬 기초.pptx
@@ -338,7 +338,7 @@
             <a:fld id="{87DE6118-2437-4B30-8E3C-4D2BE6020583}" type="datetimeFigureOut">
               <a:rPr lang="en-US" dirty="0"/>
               <a:pPr/>
-              <a:t>12/27/2022</a:t>
+              <a:t>12/28/2022</a:t>
             </a:fld>
             <a:endParaRPr lang="en-US" dirty="0"/>
           </a:p>
@@ -664,7 +664,7 @@
           <a:p>
             <a:fld id="{87DE6118-2437-4B30-8E3C-4D2BE6020583}" type="datetimeFigureOut">
               <a:rPr lang="en-US" dirty="0"/>
-              <a:t>12/27/2022</a:t>
+              <a:t>12/28/2022</a:t>
             </a:fld>
             <a:endParaRPr lang="en-US" dirty="0"/>
           </a:p>
@@ -839,7 +839,7 @@
           <a:p>
             <a:fld id="{87DE6118-2437-4B30-8E3C-4D2BE6020583}" type="datetimeFigureOut">
               <a:rPr lang="en-US" dirty="0"/>
-              <a:t>12/27/2022</a:t>
+              <a:t>12/28/2022</a:t>
             </a:fld>
             <a:endParaRPr lang="en-US" dirty="0"/>
           </a:p>
@@ -1004,7 +1004,7 @@
           <a:p>
             <a:fld id="{87DE6118-2437-4B30-8E3C-4D2BE6020583}" type="datetimeFigureOut">
               <a:rPr lang="en-US" dirty="0"/>
-              <a:t>12/27/2022</a:t>
+              <a:t>12/28/2022</a:t>
             </a:fld>
             <a:endParaRPr lang="en-US" dirty="0"/>
           </a:p>
@@ -1277,7 +1277,7 @@
             <a:fld id="{87DE6118-2437-4B30-8E3C-4D2BE6020583}" type="datetimeFigureOut">
               <a:rPr lang="en-US" dirty="0"/>
               <a:pPr/>
-              <a:t>12/27/2022</a:t>
+              <a:t>12/28/2022</a:t>
             </a:fld>
             <a:endParaRPr lang="en-US" dirty="0"/>
           </a:p>
@@ -1667,7 +1667,7 @@
           <a:p>
             <a:fld id="{87DE6118-2437-4B30-8E3C-4D2BE6020583}" type="datetimeFigureOut">
               <a:rPr lang="en-US" dirty="0"/>
-              <a:t>12/27/2022</a:t>
+              <a:t>12/28/2022</a:t>
             </a:fld>
             <a:endParaRPr lang="en-US" dirty="0"/>
           </a:p>
@@ -2139,7 +2139,7 @@
           <a:p>
             <a:fld id="{87DE6118-2437-4B30-8E3C-4D2BE6020583}" type="datetimeFigureOut">
               <a:rPr lang="en-US" dirty="0"/>
-              <a:t>12/27/2022</a:t>
+              <a:t>12/28/2022</a:t>
             </a:fld>
             <a:endParaRPr lang="en-US" dirty="0"/>
           </a:p>
@@ -2252,7 +2252,7 @@
           <a:p>
             <a:fld id="{87DE6118-2437-4B30-8E3C-4D2BE6020583}" type="datetimeFigureOut">
               <a:rPr lang="en-US" dirty="0"/>
-              <a:t>12/27/2022</a:t>
+              <a:t>12/28/2022</a:t>
             </a:fld>
             <a:endParaRPr lang="en-US" dirty="0"/>
           </a:p>
@@ -2342,7 +2342,7 @@
           <a:p>
             <a:fld id="{87DE6118-2437-4B30-8E3C-4D2BE6020583}" type="datetimeFigureOut">
               <a:rPr lang="en-US" dirty="0"/>
-              <a:t>12/27/2022</a:t>
+              <a:t>12/28/2022</a:t>
             </a:fld>
             <a:endParaRPr lang="en-US" dirty="0"/>
           </a:p>
@@ -2684,7 +2684,7 @@
             <a:fld id="{87DE6118-2437-4B30-8E3C-4D2BE6020583}" type="datetimeFigureOut">
               <a:rPr lang="en-US" dirty="0"/>
               <a:pPr/>
-              <a:t>12/27/2022</a:t>
+              <a:t>12/28/2022</a:t>
             </a:fld>
             <a:endParaRPr lang="en-US" dirty="0"/>
           </a:p>
@@ -3069,7 +3069,7 @@
             <a:fld id="{87DE6118-2437-4B30-8E3C-4D2BE6020583}" type="datetimeFigureOut">
               <a:rPr lang="en-US" dirty="0"/>
               <a:pPr/>
-              <a:t>12/27/2022</a:t>
+              <a:t>12/28/2022</a:t>
             </a:fld>
             <a:endParaRPr lang="en-US" dirty="0"/>
           </a:p>
@@ -3344,7 +3344,7 @@
             <a:fld id="{87DE6118-2437-4B30-8E3C-4D2BE6020583}" type="datetimeFigureOut">
               <a:rPr lang="en-US" dirty="0"/>
               <a:pPr/>
-              <a:t>12/27/2022</a:t>
+              <a:t>12/28/2022</a:t>
             </a:fld>
             <a:endParaRPr lang="en-US" dirty="0"/>
           </a:p>
@@ -5325,11 +5325,7 @@
             </a:r>
             <a:r>
               <a:rPr lang="ko-KR" altLang="en-US" dirty="0" smtClean="0"/>
-              <a:t>값의 삭제 및 </a:t>
-            </a:r>
-            <a:r>
-              <a:rPr lang="ko-KR" altLang="en-US" dirty="0" smtClean="0"/>
-              <a:t>리스트의 길이</a:t>
+              <a:t>값의 삭제 및 리스트의 길이</a:t>
             </a:r>
             <a:endParaRPr lang="en-US" altLang="ko-KR" dirty="0" smtClean="0"/>
           </a:p>
@@ -7478,7 +7474,6 @@
               <a:rPr lang="en-US" altLang="ko-KR" dirty="0" smtClean="0"/>
               <a:t>(continue, break)</a:t>
             </a:r>
-            <a:endParaRPr lang="en-US" altLang="ko-KR" dirty="0" smtClean="0"/>
           </a:p>
           <a:p>
             <a:endParaRPr lang="ko-KR" altLang="en-US" dirty="0"/>
@@ -8408,7 +8403,6 @@
               <a:rPr lang="en-US" altLang="ko-KR" dirty="0" smtClean="0"/>
               <a:t>for – continue, break</a:t>
             </a:r>
-            <a:endParaRPr lang="en-US" altLang="ko-KR" dirty="0" smtClean="0"/>
           </a:p>
           <a:p>
             <a:endParaRPr lang="ko-KR" altLang="en-US" dirty="0"/>
@@ -9970,18 +9964,25 @@
               <a:buNone/>
             </a:pPr>
             <a:r>
-              <a:rPr lang="en-US" altLang="ko-KR" dirty="0" smtClean="0"/>
-              <a:t>※ forma</a:t>
-            </a:r>
-            <a:r>
-              <a:rPr lang="ko-KR" altLang="en-US" dirty="0" smtClean="0"/>
-              <a:t>의 순서 지정 가능 </a:t>
+              <a:rPr lang="en-US" altLang="ko-KR" smtClean="0"/>
+              <a:t>※ </a:t>
+            </a:r>
+            <a:r>
+              <a:rPr lang="en-US" altLang="ko-KR" smtClean="0"/>
+              <a:t>format</a:t>
+            </a:r>
+            <a:r>
+              <a:rPr lang="ko-KR" altLang="en-US" smtClean="0"/>
+              <a:t>의 </a:t>
+            </a:r>
+            <a:r>
+              <a:rPr lang="ko-KR" altLang="en-US" dirty="0" smtClean="0"/>
+              <a:t>순서 지정 가능 </a:t>
             </a:r>
             <a:r>
               <a:rPr lang="en-US" altLang="ko-KR" dirty="0" smtClean="0"/>
               <a:t>{0}, {1},…</a:t>
             </a:r>
-            <a:endParaRPr lang="en-US" altLang="ko-KR" dirty="0" smtClean="0"/>
           </a:p>
         </p:txBody>
       </p:sp>
@@ -10299,7 +10300,6 @@
               <a:rPr lang="en-US" altLang="ko-KR" dirty="0" smtClean="0"/>
               <a:t> – find, filter</a:t>
             </a:r>
-            <a:endParaRPr lang="en-US" altLang="ko-KR" dirty="0" smtClean="0"/>
           </a:p>
         </p:txBody>
       </p:sp>
@@ -10446,7 +10446,6 @@
               <a:rPr lang="en-US" altLang="ko-KR" dirty="0" smtClean="0"/>
               <a:t>lambda</a:t>
             </a:r>
-            <a:endParaRPr lang="en-US" altLang="ko-KR" dirty="0" smtClean="0"/>
           </a:p>
           <a:p>
             <a:endParaRPr lang="ko-KR" altLang="en-US" dirty="0"/>
@@ -10565,7 +10564,6 @@
               <a:rPr lang="en-US" altLang="ko-KR" dirty="0" smtClean="0"/>
               <a:t>lambda map</a:t>
             </a:r>
-            <a:endParaRPr lang="en-US" altLang="ko-KR" dirty="0" smtClean="0"/>
           </a:p>
           <a:p>
             <a:endParaRPr lang="ko-KR" altLang="en-US" dirty="0"/>
@@ -11654,11 +11652,7 @@
           <a:p>
             <a:r>
               <a:rPr lang="en-US" altLang="ko-KR" dirty="0" smtClean="0"/>
-              <a:t>Try </a:t>
-            </a:r>
-            <a:r>
-              <a:rPr lang="en-US" altLang="ko-KR" dirty="0" smtClean="0"/>
-              <a:t>catch finally</a:t>
+              <a:t>Try catch finally</a:t>
             </a:r>
             <a:endParaRPr lang="ko-KR" altLang="en-US" dirty="0"/>
           </a:p>
@@ -12173,8 +12167,8 @@
           </a:prstGeom>
         </p:spPr>
       </p:pic>
-      <mc:AlternateContent xmlns:mc="http://schemas.openxmlformats.org/markup-compatibility/2006">
-        <mc:Choice xmlns:a14="http://schemas.microsoft.com/office/drawing/2010/main" Requires="a14">
+      <mc:AlternateContent xmlns:mc="http://schemas.openxmlformats.org/markup-compatibility/2006" xmlns:a14="http://schemas.microsoft.com/office/drawing/2010/main">
+        <mc:Choice Requires="a14">
           <p:sp>
             <p:nvSpPr>
               <p:cNvPr id="6" name="TextBox 5"/>
@@ -12197,6 +12191,7 @@
               </a:bodyPr>
               <a:lstStyle/>
               <a:p>
+                <a:pPr/>
                 <a14:m>
                   <m:oMathPara xmlns:m="http://schemas.openxmlformats.org/officeDocument/2006/math">
                     <m:oMathParaPr>
@@ -12296,7 +12291,7 @@
             </p:txBody>
           </p:sp>
         </mc:Choice>
-        <mc:Fallback>
+        <mc:Fallback xmlns="">
           <p:sp>
             <p:nvSpPr>
               <p:cNvPr id="6" name="TextBox 5"/>
@@ -12479,8 +12474,8 @@
           </a:prstGeom>
         </p:spPr>
       </p:pic>
-      <mc:AlternateContent xmlns:mc="http://schemas.openxmlformats.org/markup-compatibility/2006">
-        <mc:Choice xmlns:a14="http://schemas.microsoft.com/office/drawing/2010/main" Requires="a14">
+      <mc:AlternateContent xmlns:mc="http://schemas.openxmlformats.org/markup-compatibility/2006" xmlns:a14="http://schemas.microsoft.com/office/drawing/2010/main">
+        <mc:Choice Requires="a14">
           <p:sp>
             <p:nvSpPr>
               <p:cNvPr id="9" name="TextBox 8"/>
@@ -12503,6 +12498,7 @@
               </a:bodyPr>
               <a:lstStyle/>
               <a:p>
+                <a:pPr/>
                 <a14:m>
                   <m:oMathPara xmlns:m="http://schemas.openxmlformats.org/officeDocument/2006/math">
                     <m:oMathParaPr>
@@ -12638,7 +12634,7 @@
             </p:txBody>
           </p:sp>
         </mc:Choice>
-        <mc:Fallback>
+        <mc:Fallback xmlns="">
           <p:sp>
             <p:nvSpPr>
               <p:cNvPr id="9" name="TextBox 8"/>
@@ -12677,8 +12673,8 @@
           </p:sp>
         </mc:Fallback>
       </mc:AlternateContent>
-      <mc:AlternateContent xmlns:mc="http://schemas.openxmlformats.org/markup-compatibility/2006">
-        <mc:Choice xmlns:a14="http://schemas.microsoft.com/office/drawing/2010/main" Requires="a14">
+      <mc:AlternateContent xmlns:mc="http://schemas.openxmlformats.org/markup-compatibility/2006" xmlns:a14="http://schemas.microsoft.com/office/drawing/2010/main">
+        <mc:Choice Requires="a14">
           <p:sp>
             <p:nvSpPr>
               <p:cNvPr id="10" name="TextBox 9"/>
@@ -12701,6 +12697,7 @@
               </a:bodyPr>
               <a:lstStyle/>
               <a:p>
+                <a:pPr/>
                 <a14:m>
                   <m:oMathPara xmlns:m="http://schemas.openxmlformats.org/officeDocument/2006/math">
                     <m:oMathParaPr>
@@ -12800,7 +12797,7 @@
             </p:txBody>
           </p:sp>
         </mc:Choice>
-        <mc:Fallback>
+        <mc:Fallback xmlns="">
           <p:sp>
             <p:nvSpPr>
               <p:cNvPr id="10" name="TextBox 9"/>
@@ -12839,8 +12836,8 @@
           </p:sp>
         </mc:Fallback>
       </mc:AlternateContent>
-      <mc:AlternateContent xmlns:mc="http://schemas.openxmlformats.org/markup-compatibility/2006">
-        <mc:Choice xmlns:a14="http://schemas.microsoft.com/office/drawing/2010/main" Requires="a14">
+      <mc:AlternateContent xmlns:mc="http://schemas.openxmlformats.org/markup-compatibility/2006" xmlns:a14="http://schemas.microsoft.com/office/drawing/2010/main">
+        <mc:Choice Requires="a14">
           <p:sp>
             <p:nvSpPr>
               <p:cNvPr id="11" name="TextBox 10"/>
@@ -12863,6 +12860,7 @@
               </a:bodyPr>
               <a:lstStyle/>
               <a:p>
+                <a:pPr/>
                 <a14:m>
                   <m:oMathPara xmlns:m="http://schemas.openxmlformats.org/officeDocument/2006/math">
                     <m:oMathParaPr>
@@ -12998,7 +12996,7 @@
             </p:txBody>
           </p:sp>
         </mc:Choice>
-        <mc:Fallback>
+        <mc:Fallback xmlns="">
           <p:sp>
             <p:nvSpPr>
               <p:cNvPr id="11" name="TextBox 10"/>
@@ -13191,8 +13189,8 @@
           </a:p>
         </p:txBody>
       </p:sp>
-      <mc:AlternateContent xmlns:mc="http://schemas.openxmlformats.org/markup-compatibility/2006">
-        <mc:Choice xmlns:a14="http://schemas.microsoft.com/office/drawing/2010/main" Requires="a14">
+      <mc:AlternateContent xmlns:mc="http://schemas.openxmlformats.org/markup-compatibility/2006" xmlns:a14="http://schemas.microsoft.com/office/drawing/2010/main">
+        <mc:Choice Requires="a14">
           <p:sp>
             <p:nvSpPr>
               <p:cNvPr id="9" name="TextBox 8"/>
@@ -13215,6 +13213,7 @@
               </a:bodyPr>
               <a:lstStyle/>
               <a:p>
+                <a:pPr/>
                 <a14:m>
                   <m:oMathPara xmlns:m="http://schemas.openxmlformats.org/officeDocument/2006/math">
                     <m:oMathParaPr>
@@ -13257,7 +13256,13 @@
                                   <a:rPr lang="en-US" altLang="ko-KR" sz="3600" b="0" i="1" smtClean="0">
                                     <a:latin typeface="Cambria Math" panose="02040503050406030204" pitchFamily="18" charset="0"/>
                                   </a:rPr>
-                                  <m:t>10</m:t>
+                                  <m:t>1</m:t>
+                                </m:r>
+                                <m:r>
+                                  <a:rPr lang="en-US" altLang="ko-KR" sz="3600" b="0" i="1" smtClean="0">
+                                    <a:latin typeface="Cambria Math" panose="02040503050406030204" pitchFamily="18" charset="0"/>
+                                  </a:rPr>
+                                  <m:t>0</m:t>
                                 </m:r>
                               </m:e>
                               <m:e>
@@ -13316,7 +13321,7 @@
             </p:txBody>
           </p:sp>
         </mc:Choice>
-        <mc:Fallback>
+        <mc:Fallback xmlns="">
           <p:sp>
             <p:nvSpPr>
               <p:cNvPr id="9" name="TextBox 8"/>
@@ -13355,8 +13360,8 @@
           </p:sp>
         </mc:Fallback>
       </mc:AlternateContent>
-      <mc:AlternateContent xmlns:mc="http://schemas.openxmlformats.org/markup-compatibility/2006">
-        <mc:Choice xmlns:a14="http://schemas.microsoft.com/office/drawing/2010/main" Requires="a14">
+      <mc:AlternateContent xmlns:mc="http://schemas.openxmlformats.org/markup-compatibility/2006" xmlns:a14="http://schemas.microsoft.com/office/drawing/2010/main">
+        <mc:Choice Requires="a14">
           <p:sp>
             <p:nvSpPr>
               <p:cNvPr id="10" name="TextBox 9"/>
@@ -13379,6 +13384,7 @@
               </a:bodyPr>
               <a:lstStyle/>
               <a:p>
+                <a:pPr/>
                 <a14:m>
                   <m:oMathPara xmlns:m="http://schemas.openxmlformats.org/officeDocument/2006/math">
                     <m:oMathParaPr>
@@ -13462,7 +13468,7 @@
             </p:txBody>
           </p:sp>
         </mc:Choice>
-        <mc:Fallback>
+        <mc:Fallback xmlns="">
           <p:sp>
             <p:nvSpPr>
               <p:cNvPr id="10" name="TextBox 9"/>
@@ -13501,8 +13507,8 @@
           </p:sp>
         </mc:Fallback>
       </mc:AlternateContent>
-      <mc:AlternateContent xmlns:mc="http://schemas.openxmlformats.org/markup-compatibility/2006">
-        <mc:Choice xmlns:a14="http://schemas.microsoft.com/office/drawing/2010/main" Requires="a14">
+      <mc:AlternateContent xmlns:mc="http://schemas.openxmlformats.org/markup-compatibility/2006" xmlns:a14="http://schemas.microsoft.com/office/drawing/2010/main">
+        <mc:Choice Requires="a14">
           <p:sp>
             <p:nvSpPr>
               <p:cNvPr id="11" name="TextBox 10"/>
@@ -13525,6 +13531,7 @@
               </a:bodyPr>
               <a:lstStyle/>
               <a:p>
+                <a:pPr/>
                 <a14:m>
                   <m:oMathPara xmlns:m="http://schemas.openxmlformats.org/officeDocument/2006/math">
                     <m:oMathParaPr>
@@ -13567,7 +13574,13 @@
                                   <a:rPr lang="en-US" altLang="ko-KR" sz="3600" b="0" i="1" smtClean="0">
                                     <a:latin typeface="Cambria Math" panose="02040503050406030204" pitchFamily="18" charset="0"/>
                                   </a:rPr>
-                                  <m:t>70</m:t>
+                                  <m:t>7</m:t>
+                                </m:r>
+                                <m:r>
+                                  <a:rPr lang="en-US" altLang="ko-KR" sz="3600" b="0" i="1" smtClean="0">
+                                    <a:latin typeface="Cambria Math" panose="02040503050406030204" pitchFamily="18" charset="0"/>
+                                  </a:rPr>
+                                  <m:t>0</m:t>
                                 </m:r>
                               </m:e>
                               <m:e>
@@ -13626,7 +13639,7 @@
             </p:txBody>
           </p:sp>
         </mc:Choice>
-        <mc:Fallback>
+        <mc:Fallback xmlns="">
           <p:sp>
             <p:nvSpPr>
               <p:cNvPr id="11" name="TextBox 10"/>
@@ -13867,8 +13880,8 @@
           </a:p>
         </p:txBody>
       </p:sp>
-      <mc:AlternateContent xmlns:mc="http://schemas.openxmlformats.org/markup-compatibility/2006">
-        <mc:Choice xmlns:a14="http://schemas.microsoft.com/office/drawing/2010/main" Requires="a14">
+      <mc:AlternateContent xmlns:mc="http://schemas.openxmlformats.org/markup-compatibility/2006" xmlns:a14="http://schemas.microsoft.com/office/drawing/2010/main">
+        <mc:Choice Requires="a14">
           <p:sp>
             <p:nvSpPr>
               <p:cNvPr id="10" name="TextBox 9"/>
@@ -13891,6 +13904,7 @@
               </a:bodyPr>
               <a:lstStyle/>
               <a:p>
+                <a:pPr/>
                 <a14:m>
                   <m:oMathPara xmlns:m="http://schemas.openxmlformats.org/officeDocument/2006/math">
                     <m:oMathParaPr>
@@ -13974,7 +13988,7 @@
             </p:txBody>
           </p:sp>
         </mc:Choice>
-        <mc:Fallback>
+        <mc:Fallback xmlns="">
           <p:sp>
             <p:nvSpPr>
               <p:cNvPr id="10" name="TextBox 9"/>
@@ -14071,8 +14085,8 @@
           </a:p>
         </p:txBody>
       </p:sp>
-      <mc:AlternateContent xmlns:mc="http://schemas.openxmlformats.org/markup-compatibility/2006">
-        <mc:Choice xmlns:a14="http://schemas.microsoft.com/office/drawing/2010/main" Requires="a14">
+      <mc:AlternateContent xmlns:mc="http://schemas.openxmlformats.org/markup-compatibility/2006" xmlns:a14="http://schemas.microsoft.com/office/drawing/2010/main">
+        <mc:Choice Requires="a14">
           <p:sp>
             <p:nvSpPr>
               <p:cNvPr id="16" name="TextBox 15"/>
@@ -14095,6 +14109,7 @@
               </a:bodyPr>
               <a:lstStyle/>
               <a:p>
+                <a:pPr/>
                 <a14:m>
                   <m:oMathPara xmlns:m="http://schemas.openxmlformats.org/officeDocument/2006/math">
                     <m:oMathParaPr>
@@ -14137,7 +14152,13 @@
                                   <a:rPr lang="en-US" altLang="ko-KR" sz="3600" b="0" i="1" smtClean="0">
                                     <a:latin typeface="Cambria Math" panose="02040503050406030204" pitchFamily="18" charset="0"/>
                                   </a:rPr>
-                                  <m:t>10</m:t>
+                                  <m:t>1</m:t>
+                                </m:r>
+                                <m:r>
+                                  <a:rPr lang="en-US" altLang="ko-KR" sz="3600" b="0" i="1" smtClean="0">
+                                    <a:latin typeface="Cambria Math" panose="02040503050406030204" pitchFamily="18" charset="0"/>
+                                  </a:rPr>
+                                  <m:t>0</m:t>
                                 </m:r>
                               </m:e>
                               <m:e>
@@ -14178,7 +14199,7 @@
             </p:txBody>
           </p:sp>
         </mc:Choice>
-        <mc:Fallback>
+        <mc:Fallback xmlns="">
           <p:sp>
             <p:nvSpPr>
               <p:cNvPr id="16" name="TextBox 15"/>
@@ -15699,11 +15720,7 @@
             </a:r>
             <a:r>
               <a:rPr lang="ko-KR" altLang="en-US" dirty="0" smtClean="0"/>
-              <a:t> </a:t>
-            </a:r>
-            <a:r>
-              <a:rPr lang="ko-KR" altLang="en-US" dirty="0" smtClean="0"/>
-              <a:t>레퍼런스가 많으므로 더 필요한 건 </a:t>
+              <a:t> 레퍼런스가 많으므로 더 필요한 건 </a:t>
             </a:r>
             <a:r>
               <a:rPr lang="ko-KR" altLang="en-US" dirty="0" err="1" smtClean="0"/>
@@ -15722,11 +15739,7 @@
             </a:r>
             <a:r>
               <a:rPr lang="ko-KR" altLang="en-US" dirty="0" smtClean="0"/>
-              <a:t> </a:t>
-            </a:r>
-            <a:r>
-              <a:rPr lang="ko-KR" altLang="en-US" dirty="0" smtClean="0"/>
-              <a:t>제작에 필요한 선행 지식 습득 완료</a:t>
+              <a:t> 제작에 필요한 선행 지식 습득 완료</a:t>
             </a:r>
             <a:endParaRPr lang="en-US" altLang="ko-KR" dirty="0" smtClean="0"/>
           </a:p>
@@ -15734,11 +15747,7 @@
             <a:pPr lvl="1"/>
             <a:r>
               <a:rPr lang="ko-KR" altLang="en-US" dirty="0" smtClean="0"/>
-              <a:t>플라스크를 알면 좋지만 잘 몰라도 쓸 수 </a:t>
-            </a:r>
-            <a:r>
-              <a:rPr lang="ko-KR" altLang="en-US" dirty="0" smtClean="0"/>
-              <a:t>있음</a:t>
+              <a:t>플라스크를 알면 좋지만 잘 몰라도 쓸 수 있음</a:t>
             </a:r>
             <a:endParaRPr lang="en-US" altLang="ko-KR" dirty="0" smtClean="0"/>
           </a:p>
@@ -15841,11 +15850,7 @@
             </a:r>
             <a:r>
               <a:rPr lang="ko-KR" altLang="en-US" dirty="0" smtClean="0"/>
-              <a:t> 혹은 대학원생 이상의 수준을 </a:t>
-            </a:r>
-            <a:r>
-              <a:rPr lang="ko-KR" altLang="en-US" dirty="0" smtClean="0"/>
-              <a:t>요구</a:t>
+              <a:t> 혹은 대학원생 이상의 수준을 요구</a:t>
             </a:r>
             <a:endParaRPr lang="en-US" altLang="ko-KR" dirty="0" smtClean="0"/>
           </a:p>
